--- a/CldNtve-Workshop/presos/1-spring-cloud-services-300.pptx
+++ b/CldNtve-Workshop/presos/1-spring-cloud-services-300.pptx
@@ -214,7 +214,7 @@
           <a:p>
             <a:fld id="{7B47E9F9-6557-4923-BE10-1C342566E3EE}" type="datetimeFigureOut">
               <a:rPr lang="en-US" smtClean="0"/>
-              <a:t>8/22/16</a:t>
+              <a:t>8/23/16</a:t>
             </a:fld>
             <a:endParaRPr lang="en-US"/>
           </a:p>
@@ -12513,30 +12513,6 @@
           </a:p>
         </p:txBody>
       </p:sp>
-      <p:pic>
-        <p:nvPicPr>
-          <p:cNvPr id="8" name="Picture 7"/>
-          <p:cNvPicPr>
-            <a:picLocks noChangeAspect="1"/>
-          </p:cNvPicPr>
-          <p:nvPr/>
-        </p:nvPicPr>
-        <p:blipFill>
-          <a:blip r:embed="rId2"/>
-          <a:stretch>
-            <a:fillRect/>
-          </a:stretch>
-        </p:blipFill>
-        <p:spPr>
-          <a:xfrm>
-            <a:off x="5240784" y="1124350"/>
-            <a:ext cx="3446016" cy="3299241"/>
-          </a:xfrm>
-          <a:prstGeom prst="rect">
-            <a:avLst/>
-          </a:prstGeom>
-        </p:spPr>
-      </p:pic>
       <p:sp>
         <p:nvSpPr>
           <p:cNvPr id="9" name="Content Placeholder 2"/>
